--- a/content/best-practices/P-Avoid-Check-Constraints.pptx
+++ b/content/best-practices/P-Avoid-Check-Constraints.pptx
@@ -5,28 +5,30 @@
     <p:sldMasterId id="2147483660" r:id="rId4"/>
   </p:sldMasterIdLst>
   <p:notesMasterIdLst>
-    <p:notesMasterId r:id="rId11"/>
+    <p:notesMasterId r:id="rId13"/>
   </p:notesMasterIdLst>
   <p:handoutMasterIdLst>
-    <p:handoutMasterId r:id="rId12"/>
+    <p:handoutMasterId r:id="rId14"/>
   </p:handoutMasterIdLst>
   <p:sldIdLst>
-    <p:sldId id="836" r:id="rId5"/>
-    <p:sldId id="829" r:id="rId6"/>
-    <p:sldId id="839" r:id="rId7"/>
-    <p:sldId id="799" r:id="rId8"/>
-    <p:sldId id="837" r:id="rId9"/>
-    <p:sldId id="838" r:id="rId10"/>
+    <p:sldId id="831" r:id="rId5"/>
+    <p:sldId id="658" r:id="rId6"/>
+    <p:sldId id="836" r:id="rId7"/>
+    <p:sldId id="829" r:id="rId8"/>
+    <p:sldId id="839" r:id="rId9"/>
+    <p:sldId id="799" r:id="rId10"/>
+    <p:sldId id="837" r:id="rId11"/>
+    <p:sldId id="838" r:id="rId12"/>
   </p:sldIdLst>
   <p:sldSz cx="12192000" cy="6858000"/>
   <p:notesSz cx="6858000" cy="9144000"/>
   <p:embeddedFontLst>
     <p:embeddedFont>
       <p:font typeface="Noto Sans" panose="020B0502040504020204" pitchFamily="34" charset="0"/>
-      <p:regular r:id="rId13"/>
-      <p:bold r:id="rId14"/>
-      <p:italic r:id="rId15"/>
-      <p:boldItalic r:id="rId16"/>
+      <p:regular r:id="rId15"/>
+      <p:bold r:id="rId16"/>
+      <p:italic r:id="rId17"/>
+      <p:boldItalic r:id="rId18"/>
     </p:embeddedFont>
   </p:embeddedFontLst>
   <p:defaultTextStyle>
@@ -145,7 +147,7 @@
 <file path=ppt/revisionInfo.xml><?xml version="1.0" encoding="utf-8"?>
 <p1510:revInfo xmlns:a="http://schemas.openxmlformats.org/drawingml/2006/main" xmlns:r="http://schemas.openxmlformats.org/officeDocument/2006/relationships" xmlns:p1510="http://schemas.microsoft.com/office/powerpoint/2015/10/main">
   <p1510:revLst>
-    <p1510:client id="{79C2F4EE-7FCF-4CA9-8540-87655A8863A7}" v="1" dt="2025-12-22T21:24:56.682"/>
+    <p1510:client id="{44590A1F-9709-42E1-A748-409EDBBB1306}" v="1" dt="2025-12-24T19:25:19.425"/>
   </p1510:revLst>
 </p1510:revInfo>
 </file>
@@ -155,10 +157,33 @@
   <pc:docChgLst>
     <pc:chgData name="Beckerle, Mike" userId="41155a9a-513c-4288-9ceb-5c90f574ab21" providerId="ADAL" clId="{93EA92E5-423E-4026-A29C-DC3240D7B59D}"/>
     <pc:docChg chg="custSel addSld modSld">
-      <pc:chgData name="Beckerle, Mike" userId="41155a9a-513c-4288-9ceb-5c90f574ab21" providerId="ADAL" clId="{93EA92E5-423E-4026-A29C-DC3240D7B59D}" dt="2025-12-22T21:27:29.186" v="1188" actId="20577"/>
+      <pc:chgData name="Beckerle, Mike" userId="41155a9a-513c-4288-9ceb-5c90f574ab21" providerId="ADAL" clId="{93EA92E5-423E-4026-A29C-DC3240D7B59D}" dt="2025-12-24T19:32:07.497" v="1602" actId="114"/>
       <pc:docMkLst>
         <pc:docMk/>
       </pc:docMkLst>
+      <pc:sldChg chg="modSp add mod">
+        <pc:chgData name="Beckerle, Mike" userId="41155a9a-513c-4288-9ceb-5c90f574ab21" providerId="ADAL" clId="{93EA92E5-423E-4026-A29C-DC3240D7B59D}" dt="2025-12-24T19:29:52.631" v="1420" actId="20577"/>
+        <pc:sldMkLst>
+          <pc:docMk/>
+          <pc:sldMk cId="1041829088" sldId="658"/>
+        </pc:sldMkLst>
+        <pc:spChg chg="mod">
+          <ac:chgData name="Beckerle, Mike" userId="41155a9a-513c-4288-9ceb-5c90f574ab21" providerId="ADAL" clId="{93EA92E5-423E-4026-A29C-DC3240D7B59D}" dt="2025-12-24T19:27:19.725" v="1288" actId="20577"/>
+          <ac:spMkLst>
+            <pc:docMk/>
+            <pc:sldMk cId="1041829088" sldId="658"/>
+            <ac:spMk id="5" creationId="{87E454BF-E5AB-59F2-DCBC-3D2505555589}"/>
+          </ac:spMkLst>
+        </pc:spChg>
+        <pc:spChg chg="mod">
+          <ac:chgData name="Beckerle, Mike" userId="41155a9a-513c-4288-9ceb-5c90f574ab21" providerId="ADAL" clId="{93EA92E5-423E-4026-A29C-DC3240D7B59D}" dt="2025-12-24T19:29:52.631" v="1420" actId="20577"/>
+          <ac:spMkLst>
+            <pc:docMk/>
+            <pc:sldMk cId="1041829088" sldId="658"/>
+            <ac:spMk id="6" creationId="{F9615C40-6685-3E99-EE14-C899AD81A0E6}"/>
+          </ac:spMkLst>
+        </pc:spChg>
+      </pc:sldChg>
       <pc:sldChg chg="modSp mod">
         <pc:chgData name="Beckerle, Mike" userId="41155a9a-513c-4288-9ceb-5c90f574ab21" providerId="ADAL" clId="{93EA92E5-423E-4026-A29C-DC3240D7B59D}" dt="2025-12-22T21:27:29.186" v="1188" actId="20577"/>
         <pc:sldMkLst>
@@ -181,14 +206,45 @@
           <pc:sldMk cId="1947122302" sldId="829"/>
         </pc:sldMkLst>
       </pc:sldChg>
+      <pc:sldChg chg="modSp add mod">
+        <pc:chgData name="Beckerle, Mike" userId="41155a9a-513c-4288-9ceb-5c90f574ab21" providerId="ADAL" clId="{93EA92E5-423E-4026-A29C-DC3240D7B59D}" dt="2025-12-24T19:26:53.937" v="1262" actId="14100"/>
+        <pc:sldMkLst>
+          <pc:docMk/>
+          <pc:sldMk cId="1842729767" sldId="831"/>
+        </pc:sldMkLst>
+        <pc:spChg chg="mod">
+          <ac:chgData name="Beckerle, Mike" userId="41155a9a-513c-4288-9ceb-5c90f574ab21" providerId="ADAL" clId="{93EA92E5-423E-4026-A29C-DC3240D7B59D}" dt="2025-12-24T19:25:52.437" v="1211" actId="20577"/>
+          <ac:spMkLst>
+            <pc:docMk/>
+            <pc:sldMk cId="1842729767" sldId="831"/>
+            <ac:spMk id="5" creationId="{7844F438-1CB2-94D3-2A3B-FC46B820F68B}"/>
+          </ac:spMkLst>
+        </pc:spChg>
+        <pc:spChg chg="mod">
+          <ac:chgData name="Beckerle, Mike" userId="41155a9a-513c-4288-9ceb-5c90f574ab21" providerId="ADAL" clId="{93EA92E5-423E-4026-A29C-DC3240D7B59D}" dt="2025-12-24T19:26:53.937" v="1262" actId="14100"/>
+          <ac:spMkLst>
+            <pc:docMk/>
+            <pc:sldMk cId="1842729767" sldId="831"/>
+            <ac:spMk id="11" creationId="{7BA8BB64-DCC3-0996-DD58-499CFD505D2E}"/>
+          </ac:spMkLst>
+        </pc:spChg>
+        <pc:spChg chg="mod">
+          <ac:chgData name="Beckerle, Mike" userId="41155a9a-513c-4288-9ceb-5c90f574ab21" providerId="ADAL" clId="{93EA92E5-423E-4026-A29C-DC3240D7B59D}" dt="2025-12-24T19:26:16.732" v="1220" actId="1076"/>
+          <ac:spMkLst>
+            <pc:docMk/>
+            <pc:sldMk cId="1842729767" sldId="831"/>
+            <ac:spMk id="12" creationId="{82C26EFF-289A-AADB-954F-75629D8B62AA}"/>
+          </ac:spMkLst>
+        </pc:spChg>
+      </pc:sldChg>
       <pc:sldChg chg="modSp mod modShow">
-        <pc:chgData name="Beckerle, Mike" userId="41155a9a-513c-4288-9ceb-5c90f574ab21" providerId="ADAL" clId="{93EA92E5-423E-4026-A29C-DC3240D7B59D}" dt="2025-12-22T21:24:36.019" v="886" actId="27636"/>
+        <pc:chgData name="Beckerle, Mike" userId="41155a9a-513c-4288-9ceb-5c90f574ab21" providerId="ADAL" clId="{93EA92E5-423E-4026-A29C-DC3240D7B59D}" dt="2025-12-24T19:31:38.920" v="1601" actId="20577"/>
         <pc:sldMkLst>
           <pc:docMk/>
           <pc:sldMk cId="3059590" sldId="836"/>
         </pc:sldMkLst>
         <pc:spChg chg="mod">
-          <ac:chgData name="Beckerle, Mike" userId="41155a9a-513c-4288-9ceb-5c90f574ab21" providerId="ADAL" clId="{93EA92E5-423E-4026-A29C-DC3240D7B59D}" dt="2025-12-22T21:24:36.019" v="886" actId="27636"/>
+          <ac:chgData name="Beckerle, Mike" userId="41155a9a-513c-4288-9ceb-5c90f574ab21" providerId="ADAL" clId="{93EA92E5-423E-4026-A29C-DC3240D7B59D}" dt="2025-12-24T19:31:38.920" v="1601" actId="20577"/>
           <ac:spMkLst>
             <pc:docMk/>
             <pc:sldMk cId="3059590" sldId="836"/>
@@ -211,19 +267,11 @@
         </pc:sldMkLst>
       </pc:sldChg>
       <pc:sldChg chg="addSp delSp modSp new mod modClrScheme chgLayout">
-        <pc:chgData name="Beckerle, Mike" userId="41155a9a-513c-4288-9ceb-5c90f574ab21" providerId="ADAL" clId="{93EA92E5-423E-4026-A29C-DC3240D7B59D}" dt="2025-12-22T21:25:36.366" v="950" actId="27636"/>
+        <pc:chgData name="Beckerle, Mike" userId="41155a9a-513c-4288-9ceb-5c90f574ab21" providerId="ADAL" clId="{93EA92E5-423E-4026-A29C-DC3240D7B59D}" dt="2025-12-24T19:32:07.497" v="1602" actId="114"/>
         <pc:sldMkLst>
           <pc:docMk/>
           <pc:sldMk cId="1543602815" sldId="839"/>
         </pc:sldMkLst>
-        <pc:spChg chg="del mod ord">
-          <ac:chgData name="Beckerle, Mike" userId="41155a9a-513c-4288-9ceb-5c90f574ab21" providerId="ADAL" clId="{93EA92E5-423E-4026-A29C-DC3240D7B59D}" dt="2025-12-22T21:24:54.249" v="888" actId="700"/>
-          <ac:spMkLst>
-            <pc:docMk/>
-            <pc:sldMk cId="1543602815" sldId="839"/>
-            <ac:spMk id="2" creationId="{98D653B6-D825-5EC4-5785-680C445CBE5C}"/>
-          </ac:spMkLst>
-        </pc:spChg>
         <pc:spChg chg="mod ord">
           <ac:chgData name="Beckerle, Mike" userId="41155a9a-513c-4288-9ceb-5c90f574ab21" providerId="ADAL" clId="{93EA92E5-423E-4026-A29C-DC3240D7B59D}" dt="2025-12-22T21:24:54.249" v="888" actId="700"/>
           <ac:spMkLst>
@@ -241,7 +289,7 @@
           </ac:spMkLst>
         </pc:spChg>
         <pc:spChg chg="add mod ord">
-          <ac:chgData name="Beckerle, Mike" userId="41155a9a-513c-4288-9ceb-5c90f574ab21" providerId="ADAL" clId="{93EA92E5-423E-4026-A29C-DC3240D7B59D}" dt="2025-12-22T21:25:36.366" v="950" actId="27636"/>
+          <ac:chgData name="Beckerle, Mike" userId="41155a9a-513c-4288-9ceb-5c90f574ab21" providerId="ADAL" clId="{93EA92E5-423E-4026-A29C-DC3240D7B59D}" dt="2025-12-24T19:32:07.497" v="1602" actId="114"/>
           <ac:spMkLst>
             <pc:docMk/>
             <pc:sldMk cId="1543602815" sldId="839"/>
@@ -352,7 +400,7 @@
               <a:rPr lang="en-US" smtClean="0">
                 <a:latin typeface="Noto Sans" panose="020B0502040504020204" pitchFamily="34" charset="0"/>
               </a:rPr>
-              <a:t>12/22/2025</a:t>
+              <a:t>12/24/2025</a:t>
             </a:fld>
             <a:endParaRPr lang="en-US" dirty="0">
               <a:latin typeface="Noto Sans" panose="020B0502040504020204" pitchFamily="34" charset="0"/>
@@ -542,7 +590,7 @@
             <a:fld id="{104331F3-F512-0241-93B1-4EC568B308ED}" type="datetimeFigureOut">
               <a:rPr lang="en-US" smtClean="0"/>
               <a:pPr/>
-              <a:t>12/22/2025</a:t>
+              <a:t>12/24/2025</a:t>
             </a:fld>
             <a:endParaRPr lang="en-US" dirty="0"/>
           </a:p>
@@ -1042,6 +1090,130 @@
 </p:sldLayout>
 </file>
 
+<file path=ppt/slideLayouts/slideLayout3.xml><?xml version="1.0" encoding="utf-8"?>
+<p:sldLayout xmlns:a="http://schemas.openxmlformats.org/drawingml/2006/main" xmlns:r="http://schemas.openxmlformats.org/officeDocument/2006/relationships" xmlns:p="http://schemas.openxmlformats.org/presentationml/2006/main" type="titleOnly">
+  <p:cSld name="Title Only">
+    <p:spTree>
+      <p:nvGrpSpPr>
+        <p:cNvPr id="1" name=""/>
+        <p:cNvGrpSpPr/>
+        <p:nvPr/>
+      </p:nvGrpSpPr>
+      <p:grpSpPr>
+        <a:xfrm>
+          <a:off x="0" y="0"/>
+          <a:ext cx="0" cy="0"/>
+          <a:chOff x="0" y="0"/>
+          <a:chExt cx="0" cy="0"/>
+        </a:xfrm>
+      </p:grpSpPr>
+      <p:sp>
+        <p:nvSpPr>
+          <p:cNvPr id="2" name="Title 1"/>
+          <p:cNvSpPr>
+            <a:spLocks noGrp="1"/>
+          </p:cNvSpPr>
+          <p:nvPr>
+            <p:ph type="title"/>
+          </p:nvPr>
+        </p:nvSpPr>
+        <p:spPr/>
+        <p:txBody>
+          <a:bodyPr/>
+          <a:lstStyle>
+            <a:lvl1pPr>
+              <a:defRPr sz="3600">
+                <a:effectLst/>
+              </a:defRPr>
+            </a:lvl1pPr>
+          </a:lstStyle>
+          <a:p>
+            <a:r>
+              <a:rPr lang="en-US" dirty="0"/>
+              <a:t>Click to edit Master title style</a:t>
+            </a:r>
+          </a:p>
+        </p:txBody>
+      </p:sp>
+      <p:sp>
+        <p:nvSpPr>
+          <p:cNvPr id="5" name="Slide Number Placeholder 4"/>
+          <p:cNvSpPr>
+            <a:spLocks noGrp="1"/>
+          </p:cNvSpPr>
+          <p:nvPr>
+            <p:ph type="sldNum" sz="quarter" idx="12"/>
+          </p:nvPr>
+        </p:nvSpPr>
+        <p:spPr/>
+        <p:txBody>
+          <a:bodyPr/>
+          <a:lstStyle/>
+          <a:p>
+            <a:fld id="{222C6BF1-6423-496B-B3DA-CA30B590FFC3}" type="slidenum">
+              <a:rPr lang="en-US" smtClean="0"/>
+              <a:t>‹#›</a:t>
+            </a:fld>
+            <a:endParaRPr lang="en-US" dirty="0"/>
+          </a:p>
+        </p:txBody>
+      </p:sp>
+      <p:sp>
+        <p:nvSpPr>
+          <p:cNvPr id="7" name="Footer Placeholder 3">
+            <a:extLst>
+              <a:ext uri="{FF2B5EF4-FFF2-40B4-BE49-F238E27FC236}">
+                <a16:creationId xmlns:a16="http://schemas.microsoft.com/office/drawing/2014/main" id="{24DFD781-4AB8-73B9-F713-FE43379C30C1}"/>
+              </a:ext>
+            </a:extLst>
+          </p:cNvPr>
+          <p:cNvSpPr>
+            <a:spLocks noGrp="1"/>
+          </p:cNvSpPr>
+          <p:nvPr>
+            <p:ph type="ftr" sz="quarter" idx="3"/>
+          </p:nvPr>
+        </p:nvSpPr>
+        <p:spPr>
+          <a:xfrm>
+            <a:off x="2264704" y="6363123"/>
+            <a:ext cx="5402347" cy="366183"/>
+          </a:xfrm>
+          <a:prstGeom prst="rect">
+            <a:avLst/>
+          </a:prstGeom>
+        </p:spPr>
+        <p:txBody>
+          <a:bodyPr vert="horz" lIns="91440" tIns="45720" rIns="91440" bIns="45720" rtlCol="0" anchor="ctr"/>
+          <a:lstStyle>
+            <a:lvl1pPr algn="ctr">
+              <a:defRPr sz="1600">
+                <a:solidFill>
+                  <a:schemeClr val="tx1">
+                    <a:tint val="75000"/>
+                  </a:schemeClr>
+                </a:solidFill>
+              </a:defRPr>
+            </a:lvl1pPr>
+          </a:lstStyle>
+          <a:p>
+            <a:endParaRPr lang="en-US" dirty="0"/>
+          </a:p>
+        </p:txBody>
+      </p:sp>
+    </p:spTree>
+    <p:extLst>
+      <p:ext uri="{BB962C8B-B14F-4D97-AF65-F5344CB8AC3E}">
+        <p14:creationId xmlns:p14="http://schemas.microsoft.com/office/powerpoint/2010/main" val="3779301970"/>
+      </p:ext>
+    </p:extLst>
+  </p:cSld>
+  <p:clrMapOvr>
+    <a:masterClrMapping/>
+  </p:clrMapOvr>
+</p:sldLayout>
+</file>
+
 <file path=ppt/slideMasters/slideMaster1.xml><?xml version="1.0" encoding="utf-8"?>
 <p:sldMaster xmlns:a="http://schemas.openxmlformats.org/drawingml/2006/main" xmlns:r="http://schemas.openxmlformats.org/officeDocument/2006/relationships" xmlns:p="http://schemas.openxmlformats.org/presentationml/2006/main">
   <p:cSld>
@@ -1235,7 +1407,7 @@
           <p:nvPr userDrawn="1"/>
         </p:nvPicPr>
         <p:blipFill>
-          <a:blip r:embed="rId4"/>
+          <a:blip r:embed="rId5"/>
           <a:stretch>
             <a:fillRect/>
           </a:stretch>
@@ -1265,7 +1437,7 @@
           <p:nvPr userDrawn="1"/>
         </p:nvPicPr>
         <p:blipFill>
-          <a:blip r:embed="rId5"/>
+          <a:blip r:embed="rId6"/>
           <a:stretch>
             <a:fillRect/>
           </a:stretch>
@@ -1331,7 +1503,7 @@
                 <a:latin typeface="Noto Sans" panose="020B0502040504020204" pitchFamily="34" charset="0"/>
                 <a:ea typeface="Noto Sans" panose="020B0502040504020204" pitchFamily="34" charset="0"/>
                 <a:cs typeface="Noto Sans" panose="020B0502040504020204" pitchFamily="34" charset="0"/>
-                <a:hlinkClick r:id="rId6"/>
+                <a:hlinkClick r:id="rId7"/>
               </a:rPr>
               <a:t>Apache License, Version 2.0</a:t>
             </a:r>
@@ -1354,6 +1526,7 @@
   <p:sldLayoutIdLst>
     <p:sldLayoutId id="2147483667" r:id="rId1"/>
     <p:sldLayoutId id="2147483671" r:id="rId2"/>
+    <p:sldLayoutId id="2147483672" r:id="rId3"/>
   </p:sldLayoutIdLst>
   <p:hf hdr="0" ftr="0" dt="0"/>
   <p:txStyles>
@@ -1644,6 +1817,867 @@
   <p:cSld>
     <p:spTree>
       <p:nvGrpSpPr>
+        <p:cNvPr id="1" name=""/>
+        <p:cNvGrpSpPr/>
+        <p:nvPr/>
+      </p:nvGrpSpPr>
+      <p:grpSpPr>
+        <a:xfrm>
+          <a:off x="0" y="0"/>
+          <a:ext cx="0" cy="0"/>
+          <a:chOff x="0" y="0"/>
+          <a:chExt cx="0" cy="0"/>
+        </a:xfrm>
+      </p:grpSpPr>
+      <p:sp>
+        <p:nvSpPr>
+          <p:cNvPr id="5" name="Title 4">
+            <a:extLst>
+              <a:ext uri="{FF2B5EF4-FFF2-40B4-BE49-F238E27FC236}">
+                <a16:creationId xmlns:a16="http://schemas.microsoft.com/office/drawing/2014/main" id="{7844F438-1CB2-94D3-2A3B-FC46B820F68B}"/>
+              </a:ext>
+            </a:extLst>
+          </p:cNvPr>
+          <p:cNvSpPr>
+            <a:spLocks noGrp="1"/>
+          </p:cNvSpPr>
+          <p:nvPr>
+            <p:ph type="title"/>
+          </p:nvPr>
+        </p:nvSpPr>
+        <p:spPr/>
+        <p:txBody>
+          <a:bodyPr/>
+          <a:lstStyle/>
+          <a:p>
+            <a:r>
+              <a:rPr lang="en-US" dirty="0"/>
+              <a:t>Well-Formed vs Valid</a:t>
+            </a:r>
+          </a:p>
+        </p:txBody>
+      </p:sp>
+      <p:sp>
+        <p:nvSpPr>
+          <p:cNvPr id="4" name="Slide Number Placeholder 3">
+            <a:extLst>
+              <a:ext uri="{FF2B5EF4-FFF2-40B4-BE49-F238E27FC236}">
+                <a16:creationId xmlns:a16="http://schemas.microsoft.com/office/drawing/2014/main" id="{69356B69-A5E2-3B89-70C2-0565E32521A4}"/>
+              </a:ext>
+            </a:extLst>
+          </p:cNvPr>
+          <p:cNvSpPr>
+            <a:spLocks noGrp="1"/>
+          </p:cNvSpPr>
+          <p:nvPr>
+            <p:ph type="sldNum" sz="quarter" idx="12"/>
+          </p:nvPr>
+        </p:nvSpPr>
+        <p:spPr/>
+        <p:txBody>
+          <a:bodyPr/>
+          <a:lstStyle/>
+          <a:p>
+            <a:fld id="{222C6BF1-6423-496B-B3DA-CA30B590FFC3}" type="slidenum">
+              <a:rPr lang="en-US" smtClean="0"/>
+              <a:t>1</a:t>
+            </a:fld>
+            <a:endParaRPr lang="en-US" dirty="0"/>
+          </a:p>
+        </p:txBody>
+      </p:sp>
+      <p:sp>
+        <p:nvSpPr>
+          <p:cNvPr id="6" name="Oval 5">
+            <a:extLst>
+              <a:ext uri="{FF2B5EF4-FFF2-40B4-BE49-F238E27FC236}">
+                <a16:creationId xmlns:a16="http://schemas.microsoft.com/office/drawing/2014/main" id="{A17361E7-F307-EAFC-091F-7AE10DFC86D5}"/>
+              </a:ext>
+            </a:extLst>
+          </p:cNvPr>
+          <p:cNvSpPr/>
+          <p:nvPr/>
+        </p:nvSpPr>
+        <p:spPr>
+          <a:xfrm>
+            <a:off x="8712200" y="1109133"/>
+            <a:ext cx="2797866" cy="5181599"/>
+          </a:xfrm>
+          <a:prstGeom prst="ellipse">
+            <a:avLst/>
+          </a:prstGeom>
+          <a:solidFill>
+            <a:srgbClr val="FFCCFF"/>
+          </a:solidFill>
+        </p:spPr>
+        <p:style>
+          <a:lnRef idx="2">
+            <a:schemeClr val="accent1">
+              <a:shade val="15000"/>
+            </a:schemeClr>
+          </a:lnRef>
+          <a:fillRef idx="1">
+            <a:schemeClr val="accent1"/>
+          </a:fillRef>
+          <a:effectRef idx="0">
+            <a:schemeClr val="accent1"/>
+          </a:effectRef>
+          <a:fontRef idx="minor">
+            <a:schemeClr val="lt1"/>
+          </a:fontRef>
+        </p:style>
+        <p:txBody>
+          <a:bodyPr rtlCol="0" anchor="ctr"/>
+          <a:lstStyle/>
+          <a:p>
+            <a:pPr algn="ctr"/>
+            <a:r>
+              <a:rPr lang="en-US" b="1" i="1" dirty="0">
+                <a:solidFill>
+                  <a:schemeClr val="tx1"/>
+                </a:solidFill>
+              </a:rPr>
+              <a:t>Malformed</a:t>
+            </a:r>
+          </a:p>
+          <a:p>
+            <a:pPr algn="ctr"/>
+            <a:endParaRPr lang="en-US" dirty="0">
+              <a:solidFill>
+                <a:schemeClr val="tx1"/>
+              </a:solidFill>
+            </a:endParaRPr>
+          </a:p>
+          <a:p>
+            <a:pPr algn="ctr"/>
+            <a:r>
+              <a:rPr lang="en-US" dirty="0">
+                <a:solidFill>
+                  <a:schemeClr val="tx1"/>
+                </a:solidFill>
+              </a:rPr>
+              <a:t>DFDL Parse Fails</a:t>
+            </a:r>
+          </a:p>
+          <a:p>
+            <a:pPr algn="ctr"/>
+            <a:endParaRPr lang="en-US" dirty="0">
+              <a:solidFill>
+                <a:schemeClr val="tx1"/>
+              </a:solidFill>
+            </a:endParaRPr>
+          </a:p>
+          <a:p>
+            <a:pPr algn="ctr"/>
+            <a:r>
+              <a:rPr lang="en-US" dirty="0">
+                <a:solidFill>
+                  <a:schemeClr val="tx1"/>
+                </a:solidFill>
+              </a:rPr>
+              <a:t>Can't create any XML</a:t>
+            </a:r>
+          </a:p>
+        </p:txBody>
+      </p:sp>
+      <p:sp>
+        <p:nvSpPr>
+          <p:cNvPr id="7" name="Oval 6">
+            <a:extLst>
+              <a:ext uri="{FF2B5EF4-FFF2-40B4-BE49-F238E27FC236}">
+                <a16:creationId xmlns:a16="http://schemas.microsoft.com/office/drawing/2014/main" id="{3A94B24D-6877-DD0D-8AE4-FD51D73C499D}"/>
+              </a:ext>
+            </a:extLst>
+          </p:cNvPr>
+          <p:cNvSpPr/>
+          <p:nvPr/>
+        </p:nvSpPr>
+        <p:spPr>
+          <a:xfrm>
+            <a:off x="118334" y="1109133"/>
+            <a:ext cx="8593866" cy="5427133"/>
+          </a:xfrm>
+          <a:prstGeom prst="ellipse">
+            <a:avLst/>
+          </a:prstGeom>
+          <a:solidFill>
+            <a:schemeClr val="accent3">
+              <a:lumMod val="95000"/>
+            </a:schemeClr>
+          </a:solidFill>
+        </p:spPr>
+        <p:style>
+          <a:lnRef idx="2">
+            <a:schemeClr val="accent1">
+              <a:shade val="15000"/>
+            </a:schemeClr>
+          </a:lnRef>
+          <a:fillRef idx="1">
+            <a:schemeClr val="accent1"/>
+          </a:fillRef>
+          <a:effectRef idx="0">
+            <a:schemeClr val="accent1"/>
+          </a:effectRef>
+          <a:fontRef idx="minor">
+            <a:schemeClr val="lt1"/>
+          </a:fontRef>
+        </p:style>
+        <p:txBody>
+          <a:bodyPr rtlCol="0" anchor="ctr"/>
+          <a:lstStyle/>
+          <a:p>
+            <a:pPr algn="ctr"/>
+            <a:endParaRPr lang="en-US">
+              <a:solidFill>
+                <a:schemeClr val="tx1"/>
+              </a:solidFill>
+            </a:endParaRPr>
+          </a:p>
+        </p:txBody>
+      </p:sp>
+      <p:sp>
+        <p:nvSpPr>
+          <p:cNvPr id="8" name="Oval 7">
+            <a:extLst>
+              <a:ext uri="{FF2B5EF4-FFF2-40B4-BE49-F238E27FC236}">
+                <a16:creationId xmlns:a16="http://schemas.microsoft.com/office/drawing/2014/main" id="{AD36B97A-040A-0090-987E-1BD53A396167}"/>
+              </a:ext>
+            </a:extLst>
+          </p:cNvPr>
+          <p:cNvSpPr/>
+          <p:nvPr/>
+        </p:nvSpPr>
+        <p:spPr>
+          <a:xfrm>
+            <a:off x="270734" y="1912358"/>
+            <a:ext cx="5478133" cy="3664721"/>
+          </a:xfrm>
+          <a:prstGeom prst="ellipse">
+            <a:avLst/>
+          </a:prstGeom>
+          <a:solidFill>
+            <a:schemeClr val="accent3">
+              <a:lumMod val="85000"/>
+            </a:schemeClr>
+          </a:solidFill>
+        </p:spPr>
+        <p:style>
+          <a:lnRef idx="2">
+            <a:schemeClr val="accent1">
+              <a:shade val="15000"/>
+            </a:schemeClr>
+          </a:lnRef>
+          <a:fillRef idx="1">
+            <a:schemeClr val="accent1"/>
+          </a:fillRef>
+          <a:effectRef idx="0">
+            <a:schemeClr val="accent1"/>
+          </a:effectRef>
+          <a:fontRef idx="minor">
+            <a:schemeClr val="lt1"/>
+          </a:fontRef>
+        </p:style>
+        <p:txBody>
+          <a:bodyPr rtlCol="0" anchor="ctr"/>
+          <a:lstStyle/>
+          <a:p>
+            <a:pPr algn="ctr"/>
+            <a:endParaRPr lang="en-US">
+              <a:solidFill>
+                <a:schemeClr val="tx1"/>
+              </a:solidFill>
+            </a:endParaRPr>
+          </a:p>
+        </p:txBody>
+      </p:sp>
+      <p:sp>
+        <p:nvSpPr>
+          <p:cNvPr id="9" name="Oval 8">
+            <a:extLst>
+              <a:ext uri="{FF2B5EF4-FFF2-40B4-BE49-F238E27FC236}">
+                <a16:creationId xmlns:a16="http://schemas.microsoft.com/office/drawing/2014/main" id="{8667CDED-FDE9-BC44-D882-B8B6257DB72A}"/>
+              </a:ext>
+            </a:extLst>
+          </p:cNvPr>
+          <p:cNvSpPr/>
+          <p:nvPr/>
+        </p:nvSpPr>
+        <p:spPr>
+          <a:xfrm>
+            <a:off x="423134" y="2429932"/>
+            <a:ext cx="2747357" cy="2629572"/>
+          </a:xfrm>
+          <a:prstGeom prst="ellipse">
+            <a:avLst/>
+          </a:prstGeom>
+          <a:solidFill>
+            <a:schemeClr val="accent1">
+              <a:lumMod val="20000"/>
+              <a:lumOff val="80000"/>
+            </a:schemeClr>
+          </a:solidFill>
+        </p:spPr>
+        <p:style>
+          <a:lnRef idx="2">
+            <a:schemeClr val="accent1">
+              <a:shade val="15000"/>
+            </a:schemeClr>
+          </a:lnRef>
+          <a:fillRef idx="1">
+            <a:schemeClr val="accent1"/>
+          </a:fillRef>
+          <a:effectRef idx="0">
+            <a:schemeClr val="accent1"/>
+          </a:effectRef>
+          <a:fontRef idx="minor">
+            <a:schemeClr val="lt1"/>
+          </a:fontRef>
+        </p:style>
+        <p:txBody>
+          <a:bodyPr rtlCol="0" anchor="ctr"/>
+          <a:lstStyle/>
+          <a:p>
+            <a:pPr algn="ctr"/>
+            <a:endParaRPr lang="en-US">
+              <a:solidFill>
+                <a:schemeClr val="tx1"/>
+              </a:solidFill>
+            </a:endParaRPr>
+          </a:p>
+        </p:txBody>
+      </p:sp>
+      <p:sp>
+        <p:nvSpPr>
+          <p:cNvPr id="10" name="TextBox 9">
+            <a:extLst>
+              <a:ext uri="{FF2B5EF4-FFF2-40B4-BE49-F238E27FC236}">
+                <a16:creationId xmlns:a16="http://schemas.microsoft.com/office/drawing/2014/main" id="{E1645EF9-CD91-6380-B634-5162C85DB0A2}"/>
+              </a:ext>
+            </a:extLst>
+          </p:cNvPr>
+          <p:cNvSpPr txBox="1"/>
+          <p:nvPr/>
+        </p:nvSpPr>
+        <p:spPr>
+          <a:xfrm>
+            <a:off x="6096000" y="2887133"/>
+            <a:ext cx="2488182" cy="1477328"/>
+          </a:xfrm>
+          <a:prstGeom prst="rect">
+            <a:avLst/>
+          </a:prstGeom>
+          <a:noFill/>
+        </p:spPr>
+        <p:txBody>
+          <a:bodyPr wrap="none" rtlCol="0">
+            <a:spAutoFit/>
+          </a:bodyPr>
+          <a:lstStyle/>
+          <a:p>
+            <a:r>
+              <a:rPr lang="en-US" b="1" i="1" dirty="0"/>
+              <a:t>Well-Formed</a:t>
+            </a:r>
+          </a:p>
+          <a:p>
+            <a:endParaRPr lang="en-US" dirty="0"/>
+          </a:p>
+          <a:p>
+            <a:r>
+              <a:rPr lang="en-US" dirty="0"/>
+              <a:t>DFDL Parse Succeeds</a:t>
+            </a:r>
+          </a:p>
+          <a:p>
+            <a:endParaRPr lang="en-US" dirty="0"/>
+          </a:p>
+          <a:p>
+            <a:r>
+              <a:rPr lang="en-US" dirty="0"/>
+              <a:t>XML is Created</a:t>
+            </a:r>
+          </a:p>
+        </p:txBody>
+      </p:sp>
+      <p:sp>
+        <p:nvSpPr>
+          <p:cNvPr id="11" name="TextBox 10">
+            <a:extLst>
+              <a:ext uri="{FF2B5EF4-FFF2-40B4-BE49-F238E27FC236}">
+                <a16:creationId xmlns:a16="http://schemas.microsoft.com/office/drawing/2014/main" id="{7BA8BB64-DCC3-0996-DD58-499CFD505D2E}"/>
+              </a:ext>
+            </a:extLst>
+          </p:cNvPr>
+          <p:cNvSpPr txBox="1"/>
+          <p:nvPr/>
+        </p:nvSpPr>
+        <p:spPr>
+          <a:xfrm>
+            <a:off x="3322891" y="2617969"/>
+            <a:ext cx="2255976" cy="2031325"/>
+          </a:xfrm>
+          <a:prstGeom prst="rect">
+            <a:avLst/>
+          </a:prstGeom>
+          <a:noFill/>
+        </p:spPr>
+        <p:txBody>
+          <a:bodyPr wrap="square" rtlCol="0">
+            <a:spAutoFit/>
+          </a:bodyPr>
+          <a:lstStyle/>
+          <a:p>
+            <a:r>
+              <a:rPr lang="en-US" b="1" i="1" dirty="0"/>
+              <a:t>Valid</a:t>
+            </a:r>
+          </a:p>
+          <a:p>
+            <a:endParaRPr lang="en-US" dirty="0"/>
+          </a:p>
+          <a:p>
+            <a:r>
+              <a:rPr lang="en-US" dirty="0"/>
+              <a:t>XML Schema Facet</a:t>
+            </a:r>
+          </a:p>
+          <a:p>
+            <a:r>
+              <a:rPr lang="en-US" dirty="0"/>
+              <a:t>Constraints Hold</a:t>
+            </a:r>
+          </a:p>
+          <a:p>
+            <a:endParaRPr lang="en-US" dirty="0"/>
+          </a:p>
+          <a:p>
+            <a:r>
+              <a:rPr lang="en-US" dirty="0" err="1"/>
+              <a:t>Schematron</a:t>
+            </a:r>
+            <a:r>
+              <a:rPr lang="en-US" dirty="0"/>
+              <a:t> Rules Pass</a:t>
+            </a:r>
+          </a:p>
+        </p:txBody>
+      </p:sp>
+      <p:sp>
+        <p:nvSpPr>
+          <p:cNvPr id="12" name="TextBox 11">
+            <a:extLst>
+              <a:ext uri="{FF2B5EF4-FFF2-40B4-BE49-F238E27FC236}">
+                <a16:creationId xmlns:a16="http://schemas.microsoft.com/office/drawing/2014/main" id="{82C26EFF-289A-AADB-954F-75629D8B62AA}"/>
+              </a:ext>
+            </a:extLst>
+          </p:cNvPr>
+          <p:cNvSpPr txBox="1"/>
+          <p:nvPr/>
+        </p:nvSpPr>
+        <p:spPr>
+          <a:xfrm>
+            <a:off x="1208455" y="3499533"/>
+            <a:ext cx="990977" cy="646331"/>
+          </a:xfrm>
+          <a:prstGeom prst="rect">
+            <a:avLst/>
+          </a:prstGeom>
+          <a:noFill/>
+        </p:spPr>
+        <p:txBody>
+          <a:bodyPr wrap="none" rtlCol="0">
+            <a:spAutoFit/>
+          </a:bodyPr>
+          <a:lstStyle/>
+          <a:p>
+            <a:r>
+              <a:rPr lang="en-US" b="1" i="1" dirty="0"/>
+              <a:t>Correct</a:t>
+            </a:r>
+          </a:p>
+          <a:p>
+            <a:endParaRPr lang="en-US" dirty="0"/>
+          </a:p>
+        </p:txBody>
+      </p:sp>
+    </p:spTree>
+    <p:extLst>
+      <p:ext uri="{BB962C8B-B14F-4D97-AF65-F5344CB8AC3E}">
+        <p14:creationId xmlns:p14="http://schemas.microsoft.com/office/powerpoint/2010/main" val="1842729767"/>
+      </p:ext>
+    </p:extLst>
+  </p:cSld>
+  <p:clrMapOvr>
+    <a:masterClrMapping/>
+  </p:clrMapOvr>
+</p:sld>
+</file>
+
+<file path=ppt/slides/slide2.xml><?xml version="1.0" encoding="utf-8"?>
+<p:sld xmlns:a="http://schemas.openxmlformats.org/drawingml/2006/main" xmlns:r="http://schemas.openxmlformats.org/officeDocument/2006/relationships" xmlns:p="http://schemas.openxmlformats.org/presentationml/2006/main">
+  <p:cSld>
+    <p:spTree>
+      <p:nvGrpSpPr>
+        <p:cNvPr id="1" name=""/>
+        <p:cNvGrpSpPr/>
+        <p:nvPr/>
+      </p:nvGrpSpPr>
+      <p:grpSpPr>
+        <a:xfrm>
+          <a:off x="0" y="0"/>
+          <a:ext cx="0" cy="0"/>
+          <a:chOff x="0" y="0"/>
+          <a:chExt cx="0" cy="0"/>
+        </a:xfrm>
+      </p:grpSpPr>
+      <p:sp>
+        <p:nvSpPr>
+          <p:cNvPr id="93" name="TextShape 1"/>
+          <p:cNvSpPr txBox="1"/>
+          <p:nvPr/>
+        </p:nvSpPr>
+        <p:spPr>
+          <a:xfrm>
+            <a:off x="1981200" y="351000"/>
+            <a:ext cx="8229240" cy="563040"/>
+          </a:xfrm>
+          <a:prstGeom prst="rect">
+            <a:avLst/>
+          </a:prstGeom>
+          <a:noFill/>
+          <a:ln>
+            <a:noFill/>
+          </a:ln>
+        </p:spPr>
+        <p:txBody>
+          <a:bodyPr anchor="ctr"/>
+          <a:lstStyle/>
+          <a:p>
+            <a:pPr>
+              <a:lnSpc>
+                <a:spcPct val="100000"/>
+              </a:lnSpc>
+            </a:pPr>
+            <a:endParaRPr lang="en-US" spc="-1" dirty="0">
+              <a:solidFill>
+                <a:srgbClr val="000000"/>
+              </a:solidFill>
+              <a:uFill>
+                <a:solidFill>
+                  <a:srgbClr val="FFFFFF"/>
+                </a:solidFill>
+              </a:uFill>
+              <a:latin typeface="Calibri Light"/>
+            </a:endParaRPr>
+          </a:p>
+        </p:txBody>
+      </p:sp>
+      <p:sp>
+        <p:nvSpPr>
+          <p:cNvPr id="94" name="TextShape 2"/>
+          <p:cNvSpPr txBox="1"/>
+          <p:nvPr/>
+        </p:nvSpPr>
+        <p:spPr>
+          <a:xfrm>
+            <a:off x="1981200" y="1066680"/>
+            <a:ext cx="8229240" cy="5232520"/>
+          </a:xfrm>
+          <a:prstGeom prst="rect">
+            <a:avLst/>
+          </a:prstGeom>
+          <a:noFill/>
+          <a:ln>
+            <a:noFill/>
+          </a:ln>
+        </p:spPr>
+        <p:txBody>
+          <a:bodyPr>
+            <a:normAutofit/>
+          </a:bodyPr>
+          <a:lstStyle/>
+          <a:p>
+            <a:endParaRPr lang="en-US" sz="2800" spc="-1" dirty="0">
+              <a:solidFill>
+                <a:srgbClr val="23408F"/>
+              </a:solidFill>
+              <a:uFill>
+                <a:solidFill>
+                  <a:srgbClr val="FFFFFF"/>
+                </a:solidFill>
+              </a:uFill>
+              <a:latin typeface="Calibri"/>
+            </a:endParaRPr>
+          </a:p>
+        </p:txBody>
+      </p:sp>
+      <p:sp>
+        <p:nvSpPr>
+          <p:cNvPr id="6" name="Content Placeholder 5">
+            <a:extLst>
+              <a:ext uri="{FF2B5EF4-FFF2-40B4-BE49-F238E27FC236}">
+                <a16:creationId xmlns:a16="http://schemas.microsoft.com/office/drawing/2014/main" id="{F9615C40-6685-3E99-EE14-C899AD81A0E6}"/>
+              </a:ext>
+            </a:extLst>
+          </p:cNvPr>
+          <p:cNvSpPr>
+            <a:spLocks noGrp="1"/>
+          </p:cNvSpPr>
+          <p:nvPr>
+            <p:ph idx="1"/>
+          </p:nvPr>
+        </p:nvSpPr>
+        <p:spPr>
+          <a:xfrm>
+            <a:off x="304800" y="1066800"/>
+            <a:ext cx="11605067" cy="5105400"/>
+          </a:xfrm>
+        </p:spPr>
+        <p:txBody>
+          <a:bodyPr vert="horz" lIns="91440" tIns="45720" rIns="91440" bIns="45720" rtlCol="0" anchor="t">
+            <a:normAutofit fontScale="55000" lnSpcReduction="20000"/>
+          </a:bodyPr>
+          <a:lstStyle/>
+          <a:p>
+            <a:r>
+              <a:rPr lang="en-US" dirty="0"/>
+              <a:t>Malformed Data</a:t>
+            </a:r>
+          </a:p>
+          <a:p>
+            <a:pPr lvl="1"/>
+            <a:r>
+              <a:rPr lang="en-US" dirty="0"/>
+              <a:t>DFDL Parse fails - we cannot even create XML from the data</a:t>
+            </a:r>
+          </a:p>
+          <a:p>
+            <a:pPr lvl="1"/>
+            <a:endParaRPr lang="en-US" dirty="0"/>
+          </a:p>
+          <a:p>
+            <a:r>
+              <a:rPr lang="en-US" dirty="0"/>
+              <a:t>Well-Formed Data</a:t>
+            </a:r>
+          </a:p>
+          <a:p>
+            <a:pPr lvl="1"/>
+            <a:r>
+              <a:rPr lang="en-US" dirty="0"/>
+              <a:t>Can find every field's location and length</a:t>
+            </a:r>
+          </a:p>
+          <a:p>
+            <a:pPr lvl="1"/>
+            <a:r>
+              <a:rPr lang="en-US" dirty="0"/>
+              <a:t>Can convert each field to its logical type</a:t>
+            </a:r>
+          </a:p>
+          <a:p>
+            <a:pPr lvl="1"/>
+            <a:r>
+              <a:rPr lang="en-US" dirty="0"/>
+              <a:t>DFDL Parse can succeed</a:t>
+            </a:r>
+          </a:p>
+          <a:p>
+            <a:pPr lvl="1"/>
+            <a:r>
+              <a:rPr lang="en-US" dirty="0"/>
+              <a:t>Can create XML from the data</a:t>
+            </a:r>
+          </a:p>
+          <a:p>
+            <a:pPr lvl="1"/>
+            <a:r>
+              <a:rPr lang="en-US" dirty="0"/>
+              <a:t>But note: This XML </a:t>
+            </a:r>
+            <a:r>
+              <a:rPr lang="en-US" i="1" dirty="0"/>
+              <a:t>may not be valid</a:t>
+            </a:r>
+          </a:p>
+          <a:p>
+            <a:endParaRPr lang="en-US" dirty="0"/>
+          </a:p>
+          <a:p>
+            <a:r>
+              <a:rPr lang="en-US" dirty="0"/>
+              <a:t>Valid Data</a:t>
+            </a:r>
+          </a:p>
+          <a:p>
+            <a:pPr lvl="1"/>
+            <a:r>
+              <a:rPr lang="en-US" dirty="0"/>
+              <a:t>Obeys schema constraints (facets, </a:t>
+            </a:r>
+            <a:r>
+              <a:rPr lang="en-US" dirty="0" err="1"/>
+              <a:t>Schematron</a:t>
+            </a:r>
+            <a:r>
+              <a:rPr lang="en-US" dirty="0"/>
+              <a:t> rules)</a:t>
+            </a:r>
+          </a:p>
+          <a:p>
+            <a:pPr lvl="2"/>
+            <a:r>
+              <a:rPr lang="en-US" dirty="0"/>
+              <a:t>Range of numbers, dates, times, patterns of text</a:t>
+            </a:r>
+          </a:p>
+          <a:p>
+            <a:pPr lvl="1"/>
+            <a:r>
+              <a:rPr lang="en-US" dirty="0"/>
+              <a:t>Validation usually done by separate filter step or steps, not the DFDL Parser</a:t>
+            </a:r>
+          </a:p>
+          <a:p>
+            <a:pPr lvl="1"/>
+            <a:endParaRPr lang="en-US" dirty="0"/>
+          </a:p>
+          <a:p>
+            <a:r>
+              <a:rPr lang="en-US" dirty="0"/>
+              <a:t>Correct Data</a:t>
+            </a:r>
+          </a:p>
+          <a:p>
+            <a:pPr lvl="1"/>
+            <a:r>
+              <a:rPr lang="en-US" dirty="0"/>
+              <a:t>All applications run without issues.</a:t>
+            </a:r>
+          </a:p>
+          <a:p>
+            <a:endParaRPr lang="en-US" dirty="0"/>
+          </a:p>
+          <a:p>
+            <a:endParaRPr lang="en-US" dirty="0"/>
+          </a:p>
+        </p:txBody>
+      </p:sp>
+      <p:sp>
+        <p:nvSpPr>
+          <p:cNvPr id="4" name="Slide Number Placeholder 3">
+            <a:extLst>
+              <a:ext uri="{FF2B5EF4-FFF2-40B4-BE49-F238E27FC236}">
+                <a16:creationId xmlns:a16="http://schemas.microsoft.com/office/drawing/2014/main" id="{EE65B1C2-1F9F-D3F1-09FB-DEB76476CAAE}"/>
+              </a:ext>
+            </a:extLst>
+          </p:cNvPr>
+          <p:cNvSpPr>
+            <a:spLocks noGrp="1"/>
+          </p:cNvSpPr>
+          <p:nvPr>
+            <p:ph type="sldNum" sz="quarter" idx="12"/>
+          </p:nvPr>
+        </p:nvSpPr>
+        <p:spPr>
+          <a:xfrm>
+            <a:off x="11514338" y="6384454"/>
+            <a:ext cx="508000" cy="365125"/>
+          </a:xfrm>
+        </p:spPr>
+        <p:txBody>
+          <a:bodyPr/>
+          <a:lstStyle/>
+          <a:p>
+            <a:fld id="{E87A9C04-9BE2-4A9F-A3FE-72B96988022F}" type="slidenum">
+              <a:rPr lang="en-US" smtClean="0"/>
+              <a:pPr/>
+              <a:t>2</a:t>
+            </a:fld>
+            <a:endParaRPr lang="en-US" dirty="0"/>
+          </a:p>
+        </p:txBody>
+      </p:sp>
+      <p:sp>
+        <p:nvSpPr>
+          <p:cNvPr id="5" name="Title 4">
+            <a:extLst>
+              <a:ext uri="{FF2B5EF4-FFF2-40B4-BE49-F238E27FC236}">
+                <a16:creationId xmlns:a16="http://schemas.microsoft.com/office/drawing/2014/main" id="{87E454BF-E5AB-59F2-DCBC-3D2505555589}"/>
+              </a:ext>
+            </a:extLst>
+          </p:cNvPr>
+          <p:cNvSpPr>
+            <a:spLocks noGrp="1"/>
+          </p:cNvSpPr>
+          <p:nvPr>
+            <p:ph type="title"/>
+          </p:nvPr>
+        </p:nvSpPr>
+        <p:spPr>
+          <a:xfrm>
+            <a:off x="177553" y="162289"/>
+            <a:ext cx="11732313" cy="563563"/>
+          </a:xfrm>
+        </p:spPr>
+        <p:txBody>
+          <a:bodyPr>
+            <a:normAutofit fontScale="90000"/>
+          </a:bodyPr>
+          <a:lstStyle/>
+          <a:p>
+            <a:r>
+              <a:rPr lang="en-US" dirty="0"/>
+              <a:t>Well-Formed vs Valid</a:t>
+            </a:r>
+          </a:p>
+        </p:txBody>
+      </p:sp>
+    </p:spTree>
+    <p:extLst>
+      <p:ext uri="{BB962C8B-B14F-4D97-AF65-F5344CB8AC3E}">
+        <p14:creationId xmlns:p14="http://schemas.microsoft.com/office/powerpoint/2010/main" val="1041829088"/>
+      </p:ext>
+    </p:extLst>
+  </p:cSld>
+  <p:clrMapOvr>
+    <a:masterClrMapping/>
+  </p:clrMapOvr>
+  <p:timing>
+    <p:tnLst>
+      <p:par>
+        <p:cTn id="1" dur="indefinite" restart="never" nodeType="tmRoot">
+          <p:childTnLst>
+            <p:seq>
+              <p:cTn id="2" nodeType="mainSeq"/>
+              <p:prevCondLst>
+                <p:cond evt="onPrev" delay="0">
+                  <p:tgtEl>
+                    <p:sldTgt/>
+                  </p:tgtEl>
+                </p:cond>
+              </p:prevCondLst>
+              <p:nextCondLst>
+                <p:cond evt="onNext" delay="0">
+                  <p:tgtEl>
+                    <p:sldTgt/>
+                  </p:tgtEl>
+                </p:cond>
+              </p:nextCondLst>
+            </p:seq>
+          </p:childTnLst>
+        </p:cTn>
+      </p:par>
+    </p:tnLst>
+  </p:timing>
+</p:sld>
+</file>
+
+<file path=ppt/slides/slide3.xml><?xml version="1.0" encoding="utf-8"?>
+<p:sld xmlns:a="http://schemas.openxmlformats.org/drawingml/2006/main" xmlns:r="http://schemas.openxmlformats.org/officeDocument/2006/relationships" xmlns:p="http://schemas.openxmlformats.org/presentationml/2006/main">
+  <p:cSld>
+    <p:spTree>
+      <p:nvGrpSpPr>
         <p:cNvPr id="1" name="">
           <a:extLst>
             <a:ext uri="{FF2B5EF4-FFF2-40B4-BE49-F238E27FC236}">
@@ -1709,7 +2743,7 @@
         <p:spPr/>
         <p:txBody>
           <a:bodyPr>
-            <a:normAutofit fontScale="85000" lnSpcReduction="20000"/>
+            <a:normAutofit fontScale="62500" lnSpcReduction="20000"/>
           </a:bodyPr>
           <a:lstStyle/>
           <a:p>
@@ -1769,11 +2803,47 @@
             </a:r>
             <a:r>
               <a:rPr lang="en-US" i="1" dirty="0"/>
+              <a:t>reject</a:t>
+            </a:r>
+            <a:r>
+              <a:rPr lang="en-US" dirty="0"/>
+              <a:t> malformed data (important)</a:t>
+            </a:r>
+          </a:p>
+          <a:p>
+            <a:pPr lvl="1"/>
+            <a:r>
+              <a:rPr lang="en-US" dirty="0"/>
+              <a:t>It's easy to write a DFDL schema that accepts well-formed and lots of malformed data also.</a:t>
+            </a:r>
+          </a:p>
+          <a:p>
+            <a:pPr lvl="1"/>
+            <a:r>
+              <a:rPr lang="en-US" dirty="0"/>
+              <a:t>Must design the schema to reject malformed as well as accept well-formed data.</a:t>
+            </a:r>
+          </a:p>
+          <a:p>
+            <a:r>
+              <a:rPr lang="en-US" dirty="0"/>
+              <a:t>Parsing should </a:t>
+            </a:r>
+            <a:r>
+              <a:rPr lang="en-US" b="1" i="1" dirty="0"/>
               <a:t>not</a:t>
             </a:r>
             <a:r>
               <a:rPr lang="en-US" dirty="0"/>
-              <a:t> reject invalid data</a:t>
+              <a:t> reject </a:t>
+            </a:r>
+            <a:r>
+              <a:rPr lang="en-US" i="1" dirty="0"/>
+              <a:t>invalid</a:t>
+            </a:r>
+            <a:r>
+              <a:rPr lang="en-US" dirty="0"/>
+              <a:t> data</a:t>
             </a:r>
           </a:p>
           <a:p>
@@ -1848,7 +2918,7 @@
             <a:fld id="{E86E9A59-3F40-F444-BD0F-26E6D063A5F0}" type="slidenum">
               <a:rPr lang="en-US" smtClean="0"/>
               <a:pPr/>
-              <a:t>1</a:t>
+              <a:t>3</a:t>
             </a:fld>
             <a:endParaRPr lang="en-US" dirty="0"/>
           </a:p>
@@ -1867,7 +2937,7 @@
 </p:sld>
 </file>
 
-<file path=ppt/slides/slide2.xml><?xml version="1.0" encoding="utf-8"?>
+<file path=ppt/slides/slide4.xml><?xml version="1.0" encoding="utf-8"?>
 <p:sld xmlns:a="http://schemas.openxmlformats.org/drawingml/2006/main" xmlns:r="http://schemas.openxmlformats.org/officeDocument/2006/relationships" xmlns:p="http://schemas.openxmlformats.org/presentationml/2006/main">
   <p:cSld>
     <p:spTree>
@@ -2067,7 +3137,7 @@
             <a:fld id="{E86E9A59-3F40-F444-BD0F-26E6D063A5F0}" type="slidenum">
               <a:rPr lang="en-US" smtClean="0"/>
               <a:pPr/>
-              <a:t>2</a:t>
+              <a:t>4</a:t>
             </a:fld>
             <a:endParaRPr lang="en-US" dirty="0"/>
           </a:p>
@@ -2086,7 +3156,7 @@
 </p:sld>
 </file>
 
-<file path=ppt/slides/slide3.xml><?xml version="1.0" encoding="utf-8"?>
+<file path=ppt/slides/slide5.xml><?xml version="1.0" encoding="utf-8"?>
 <p:sld xmlns:a="http://schemas.openxmlformats.org/drawingml/2006/main" xmlns:r="http://schemas.openxmlformats.org/officeDocument/2006/relationships" xmlns:p="http://schemas.openxmlformats.org/presentationml/2006/main">
   <p:cSld>
     <p:spTree>
@@ -2156,7 +3226,15 @@
           <a:p>
             <a:r>
               <a:rPr lang="en-US" dirty="0"/>
-              <a:t>You should not use DFDL parse errors as a 'fail fast' way to reject invalid data. </a:t>
+              <a:t>You should not use DFDL parse errors as a 'fail fast' way to reject </a:t>
+            </a:r>
+            <a:r>
+              <a:rPr lang="en-US" i="1" dirty="0"/>
+              <a:t>invalid</a:t>
+            </a:r>
+            <a:r>
+              <a:rPr lang="en-US" dirty="0"/>
+              <a:t> data. </a:t>
             </a:r>
           </a:p>
           <a:p>
@@ -2206,7 +3284,7 @@
             <a:fld id="{E87A9C04-9BE2-4A9F-A3FE-72B96988022F}" type="slidenum">
               <a:rPr lang="en-US" smtClean="0"/>
               <a:pPr/>
-              <a:t>3</a:t>
+              <a:t>5</a:t>
             </a:fld>
             <a:endParaRPr lang="en-US" dirty="0"/>
           </a:p>
@@ -2225,7 +3303,7 @@
 </p:sld>
 </file>
 
-<file path=ppt/slides/slide4.xml><?xml version="1.0" encoding="utf-8"?>
+<file path=ppt/slides/slide6.xml><?xml version="1.0" encoding="utf-8"?>
 <p:sld xmlns:a="http://schemas.openxmlformats.org/drawingml/2006/main" xmlns:r="http://schemas.openxmlformats.org/officeDocument/2006/relationships" xmlns:p="http://schemas.openxmlformats.org/presentationml/2006/main">
   <p:cSld>
     <p:spTree>
@@ -2348,7 +3426,7 @@
                 <a:tabLst/>
                 <a:defRPr/>
               </a:pPr>
-              <a:t>4</a:t>
+              <a:t>6</a:t>
             </a:fld>
             <a:endParaRPr kumimoji="0" lang="en-US" sz="1200" b="1" i="0" u="none" strike="noStrike" kern="1200" cap="none" spc="0" normalizeH="0" baseline="0" noProof="0" dirty="0">
               <a:ln>
@@ -3605,7 +4683,7 @@
 </p:sld>
 </file>
 
-<file path=ppt/slides/slide5.xml><?xml version="1.0" encoding="utf-8"?>
+<file path=ppt/slides/slide7.xml><?xml version="1.0" encoding="utf-8"?>
 <p:sld xmlns:a="http://schemas.openxmlformats.org/drawingml/2006/main" xmlns:r="http://schemas.openxmlformats.org/officeDocument/2006/relationships" xmlns:p="http://schemas.openxmlformats.org/presentationml/2006/main">
   <p:cSld>
     <p:spTree>
@@ -3730,7 +4808,7 @@
             <a:fld id="{E86E9A59-3F40-F444-BD0F-26E6D063A5F0}" type="slidenum">
               <a:rPr lang="en-US" smtClean="0"/>
               <a:pPr/>
-              <a:t>5</a:t>
+              <a:t>7</a:t>
             </a:fld>
             <a:endParaRPr lang="en-US" dirty="0"/>
           </a:p>
@@ -3749,7 +4827,7 @@
 </p:sld>
 </file>
 
-<file path=ppt/slides/slide6.xml><?xml version="1.0" encoding="utf-8"?>
+<file path=ppt/slides/slide8.xml><?xml version="1.0" encoding="utf-8"?>
 <p:sld xmlns:a="http://schemas.openxmlformats.org/drawingml/2006/main" xmlns:r="http://schemas.openxmlformats.org/officeDocument/2006/relationships" xmlns:p="http://schemas.openxmlformats.org/presentationml/2006/main">
   <p:cSld>
     <p:spTree>
@@ -3913,7 +4991,7 @@
             <a:fld id="{E86E9A59-3F40-F444-BD0F-26E6D063A5F0}" type="slidenum">
               <a:rPr lang="en-US" smtClean="0"/>
               <a:pPr/>
-              <a:t>6</a:t>
+              <a:t>8</a:t>
             </a:fld>
             <a:endParaRPr lang="en-US" dirty="0"/>
           </a:p>
@@ -4901,18 +5979,18 @@
 </file>
 
 <file path=customXml/item2.xml><?xml version="1.0" encoding="utf-8"?>
+<p:properties xmlns:p="http://schemas.microsoft.com/office/2006/metadata/properties" xmlns:xsi="http://www.w3.org/2001/XMLSchema-instance" xmlns:pc="http://schemas.microsoft.com/office/infopath/2007/PartnerControls">
+  <documentManagement/>
+</p:properties>
+</file>
+
+<file path=customXml/item3.xml><?xml version="1.0" encoding="utf-8"?>
 <?mso-contentType ?>
 <FormTemplates xmlns="http://schemas.microsoft.com/sharepoint/v3/contenttype/forms">
   <Display>DocumentLibraryForm</Display>
   <Edit>DocumentLibraryForm</Edit>
   <New>DocumentLibraryForm</New>
 </FormTemplates>
-</file>
-
-<file path=customXml/item3.xml><?xml version="1.0" encoding="utf-8"?>
-<p:properties xmlns:p="http://schemas.microsoft.com/office/2006/metadata/properties" xmlns:xsi="http://www.w3.org/2001/XMLSchema-instance" xmlns:pc="http://schemas.microsoft.com/office/infopath/2007/PartnerControls">
-  <documentManagement/>
-</p:properties>
 </file>
 
 <file path=customXml/itemProps1.xml><?xml version="1.0" encoding="utf-8"?>
@@ -4935,14 +6013,6 @@
 </file>
 
 <file path=customXml/itemProps2.xml><?xml version="1.0" encoding="utf-8"?>
-<ds:datastoreItem xmlns:ds="http://schemas.openxmlformats.org/officeDocument/2006/customXml" ds:itemID="{18870CC1-235C-4BD8-A628-EDFC5A270D05}">
-  <ds:schemaRefs>
-    <ds:schemaRef ds:uri="http://schemas.microsoft.com/sharepoint/v3/contenttype/forms"/>
-  </ds:schemaRefs>
-</ds:datastoreItem>
-</file>
-
-<file path=customXml/itemProps3.xml><?xml version="1.0" encoding="utf-8"?>
 <ds:datastoreItem xmlns:ds="http://schemas.openxmlformats.org/officeDocument/2006/customXml" ds:itemID="{78E6E0BF-F4A0-41B6-8685-63FD81E4D1BE}">
   <ds:schemaRefs>
     <ds:schemaRef ds:uri="213a615a-fc15-48a4-b44f-57f78f25f7bf"/>
@@ -4957,4 +6027,12 @@
     <ds:schemaRef ds:uri="http://www.w3.org/XML/1998/namespace"/>
   </ds:schemaRefs>
 </ds:datastoreItem>
+</file>
+
+<file path=customXml/itemProps3.xml><?xml version="1.0" encoding="utf-8"?>
+<ds:datastoreItem xmlns:ds="http://schemas.openxmlformats.org/officeDocument/2006/customXml" ds:itemID="{18870CC1-235C-4BD8-A628-EDFC5A270D05}">
+  <ds:schemaRefs>
+    <ds:schemaRef ds:uri="http://schemas.microsoft.com/sharepoint/v3/contenttype/forms"/>
+  </ds:schemaRefs>
+</ds:datastoreItem>
 </file>